--- a/Presentation.pptx
+++ b/Presentation.pptx
@@ -563,16 +563,56 @@
             </a:pPr>
             <a:r>
               <a:rPr lang="de-AT" dirty="0"/>
-              <a:t>Multi User: </a:t>
+              <a:t>Multi User: Vorher nur für Tablets (Android 4.2 </a:t>
+            </a:r>
+            <a:r>
+              <a:rPr lang="de-AT" dirty="0" err="1"/>
+              <a:t>Jellybean</a:t>
+            </a:r>
+            <a:r>
+              <a:rPr lang="de-AT" dirty="0"/>
+              <a:t>) - </a:t>
             </a:r>
             <a:r>
               <a:rPr lang="de-AT" b="0" dirty="0"/>
               <a:t>Ermöglicht es, mehrere Benutzer auf einem Android Gerät zu haben. Inkludiert auch einen „Guest“ Modus für temporären eingeschränkten Zugriff</a:t>
             </a:r>
-            <a:endParaRPr lang="de-AT" dirty="0"/>
-          </a:p>
-          <a:p>
-            <a:endParaRPr lang="de-AT" dirty="0"/>
+          </a:p>
+          <a:p>
+            <a:pPr marL="0" marR="0" lvl="0" indent="0" algn="l" defTabSz="914400" rtl="0" eaLnBrk="1" fontAlgn="auto" latinLnBrk="0" hangingPunct="1">
+              <a:lnSpc>
+                <a:spcPct val="100000"/>
+              </a:lnSpc>
+              <a:spcBef>
+                <a:spcPts val="0"/>
+              </a:spcBef>
+              <a:spcAft>
+                <a:spcPts val="0"/>
+              </a:spcAft>
+              <a:buClrTx/>
+              <a:buSzTx/>
+              <a:buFontTx/>
+              <a:buNone/>
+              <a:tabLst/>
+              <a:defRPr/>
+            </a:pPr>
+            <a:r>
+              <a:rPr lang="de-AT" b="1" dirty="0"/>
+              <a:t>KILL SWITCH: </a:t>
+            </a:r>
+            <a:r>
+              <a:rPr lang="en-US" sz="1200" b="0" i="0" kern="1200" dirty="0">
+                <a:solidFill>
+                  <a:schemeClr val="tx1"/>
+                </a:solidFill>
+                <a:effectLst/>
+                <a:latin typeface="+mn-lt"/>
+                <a:ea typeface="+mn-ea"/>
+                <a:cs typeface="+mn-cs"/>
+              </a:rPr>
+              <a:t> in the form of Factory Reset Protection. This requires your Google ID and password before anybody can reset the device, and it makes it much more difficult for a lost or stolen phone to be wiped by baddies. That’s the good news; the bad news is that you have to specifically enable it. As before, you can also use Android Device Manager to locate, reset or erase your device if it goes missing.</a:t>
+            </a:r>
+            <a:endParaRPr lang="de-AT" b="1" dirty="0"/>
           </a:p>
         </p:txBody>
       </p:sp>
@@ -4869,15 +4909,7 @@
             </a:r>
             <a:r>
               <a:rPr lang="de-DE" dirty="0"/>
-              <a:t>() aufgerufen. Ab jetzt kann man die </a:t>
-            </a:r>
-            <a:r>
-              <a:rPr lang="de-DE" dirty="0" err="1"/>
-              <a:t>view</a:t>
-            </a:r>
-            <a:r>
-              <a:rPr lang="de-DE" dirty="0"/>
-              <a:t> mit </a:t>
+              <a:t>() aufgerufen. Ab jetzt kann man die View mit </a:t>
             </a:r>
             <a:r>
               <a:rPr lang="de-DE" dirty="0" err="1"/>
@@ -5483,12 +5515,14 @@
               <a:buAutoNum type="arabicPeriod"/>
             </a:pPr>
             <a:r>
-              <a:rPr lang="de-AT" dirty="0" err="1"/>
-              <a:t>Win</a:t>
+              <a:rPr lang="de-AT" dirty="0">
+                <a:sym typeface="Wingdings" panose="05000000000000000000" pitchFamily="2" charset="2"/>
+              </a:rPr>
+              <a:t></a:t>
             </a:r>
             <a:r>
               <a:rPr lang="de-AT" dirty="0"/>
-              <a:t> + X, i (terminal)</a:t>
+              <a:t>+ X, I (terminal)</a:t>
             </a:r>
           </a:p>
           <a:p>
@@ -8232,15 +8266,21 @@
             <p:ph type="title"/>
           </p:nvPr>
         </p:nvSpPr>
-        <p:spPr/>
+        <p:spPr>
+          <a:xfrm>
+            <a:off x="1371600" y="685800"/>
+            <a:ext cx="9601200" cy="1485900"/>
+          </a:xfrm>
+        </p:spPr>
         <p:txBody>
           <a:bodyPr/>
           <a:lstStyle/>
           <a:p>
             <a:r>
-              <a:rPr lang="de-AT" dirty="0"/>
+              <a:rPr lang="de-AT"/>
               <a:t>Android 5 „Lollipop“</a:t>
             </a:r>
+            <a:endParaRPr lang="de-AT" dirty="0"/>
           </a:p>
         </p:txBody>
       </p:sp>
@@ -8268,8 +8308,8 @@
         </p:blipFill>
         <p:spPr>
           <a:xfrm>
-            <a:off x="1937581" y="1810139"/>
-            <a:ext cx="8316838" cy="4439816"/>
+            <a:off x="2134281" y="1861038"/>
+            <a:ext cx="8075838" cy="4311162"/>
           </a:xfrm>
           <a:prstGeom prst="rect">
             <a:avLst/>
@@ -8654,7 +8694,7 @@
             </a:r>
             <a:r>
               <a:rPr lang="de-DE" dirty="0"/>
-              <a:t> müssen kein UI haben(</a:t>
+              <a:t> müssen kein UI haben (</a:t>
             </a:r>
             <a:r>
               <a:rPr lang="de-DE" dirty="0" err="1"/>
@@ -8671,7 +8711,15 @@
           <a:p>
             <a:r>
               <a:rPr lang="de-DE" dirty="0"/>
-              <a:t>Wurden in Android 3 vorgestellt</a:t>
+              <a:t>Wurden in Android 3 „</a:t>
+            </a:r>
+            <a:r>
+              <a:rPr lang="de-DE" dirty="0" err="1"/>
+              <a:t>Honeycomb</a:t>
+            </a:r>
+            <a:r>
+              <a:rPr lang="de-DE" dirty="0"/>
+              <a:t>“ vorgestellt</a:t>
             </a:r>
           </a:p>
           <a:p>
@@ -8689,7 +8737,7 @@
           <a:p>
             <a:r>
               <a:rPr lang="de-DE" dirty="0"/>
-              <a:t>Mit Fragments kann man sich einfach an verschiedene Displaygrößen zur Laufzeit anpassen(Tablets)</a:t>
+              <a:t>Fragments kann man einfach an verschiedene Displaygrößen zur Laufzeit anpassen (Tablets)</a:t>
             </a:r>
           </a:p>
           <a:p>
